--- a/benchmarking.pptx
+++ b/benchmarking.pptx
@@ -8,6 +8,7 @@
     <p:sldId id="256" r:id="rId2"/>
     <p:sldId id="257" r:id="rId3"/>
     <p:sldId id="258" r:id="rId4"/>
+    <p:sldId id="263" r:id="rId5"/>
   </p:sldIdLst>
   <p:sldSz cx="12192000" cy="6858000"/>
   <p:notesSz cx="6858000" cy="9144000"/>
@@ -253,7 +254,7 @@
           <a:p>
             <a:fld id="{48A87A34-81AB-432B-8DAE-1953F412C126}" type="datetimeFigureOut">
               <a:rPr lang="en-US" dirty="0"/>
-              <a:t>7/8/2021</a:t>
+              <a:t>7/14/2021</a:t>
             </a:fld>
             <a:endParaRPr lang="en-US" dirty="0"/>
           </a:p>
@@ -459,7 +460,7 @@
           <a:p>
             <a:fld id="{48A87A34-81AB-432B-8DAE-1953F412C126}" type="datetimeFigureOut">
               <a:rPr lang="en-US" dirty="0"/>
-              <a:t>7/8/2021</a:t>
+              <a:t>7/14/2021</a:t>
             </a:fld>
             <a:endParaRPr lang="en-US" dirty="0"/>
           </a:p>
@@ -669,7 +670,7 @@
           <a:p>
             <a:fld id="{48A87A34-81AB-432B-8DAE-1953F412C126}" type="datetimeFigureOut">
               <a:rPr lang="en-US" dirty="0"/>
-              <a:t>7/8/2021</a:t>
+              <a:t>7/14/2021</a:t>
             </a:fld>
             <a:endParaRPr lang="en-US" dirty="0"/>
           </a:p>
@@ -865,7 +866,7 @@
           <a:p>
             <a:fld id="{48A87A34-81AB-432B-8DAE-1953F412C126}" type="datetimeFigureOut">
               <a:rPr lang="en-US" dirty="0"/>
-              <a:t>7/8/2021</a:t>
+              <a:t>7/14/2021</a:t>
             </a:fld>
             <a:endParaRPr lang="en-US" dirty="0"/>
           </a:p>
@@ -1139,7 +1140,7 @@
           <a:p>
             <a:fld id="{48A87A34-81AB-432B-8DAE-1953F412C126}" type="datetimeFigureOut">
               <a:rPr lang="en-US" dirty="0"/>
-              <a:t>7/8/2021</a:t>
+              <a:t>7/14/2021</a:t>
             </a:fld>
             <a:endParaRPr lang="en-US" dirty="0"/>
           </a:p>
@@ -1402,7 +1403,7 @@
           <a:p>
             <a:fld id="{48A87A34-81AB-432B-8DAE-1953F412C126}" type="datetimeFigureOut">
               <a:rPr lang="en-US" dirty="0"/>
-              <a:t>7/8/2021</a:t>
+              <a:t>7/14/2021</a:t>
             </a:fld>
             <a:endParaRPr lang="en-US" dirty="0"/>
           </a:p>
@@ -1813,7 +1814,7 @@
           <a:p>
             <a:fld id="{48A87A34-81AB-432B-8DAE-1953F412C126}" type="datetimeFigureOut">
               <a:rPr lang="en-US" dirty="0"/>
-              <a:t>7/8/2021</a:t>
+              <a:t>7/14/2021</a:t>
             </a:fld>
             <a:endParaRPr lang="en-US" dirty="0"/>
           </a:p>
@@ -1957,7 +1958,7 @@
           <a:p>
             <a:fld id="{48A87A34-81AB-432B-8DAE-1953F412C126}" type="datetimeFigureOut">
               <a:rPr lang="en-US" dirty="0"/>
-              <a:t>7/8/2021</a:t>
+              <a:t>7/14/2021</a:t>
             </a:fld>
             <a:endParaRPr lang="en-US" dirty="0"/>
           </a:p>
@@ -2078,7 +2079,7 @@
           <a:p>
             <a:fld id="{48A87A34-81AB-432B-8DAE-1953F412C126}" type="datetimeFigureOut">
               <a:rPr lang="en-US" dirty="0"/>
-              <a:t>7/8/2021</a:t>
+              <a:t>7/14/2021</a:t>
             </a:fld>
             <a:endParaRPr lang="en-US" dirty="0"/>
           </a:p>
@@ -2324,7 +2325,7 @@
           <a:p>
             <a:fld id="{48A87A34-81AB-432B-8DAE-1953F412C126}" type="datetimeFigureOut">
               <a:rPr lang="en-US" dirty="0"/>
-              <a:t>7/8/2021</a:t>
+              <a:t>7/14/2021</a:t>
             </a:fld>
             <a:endParaRPr lang="en-US" dirty="0"/>
           </a:p>
@@ -2765,7 +2766,7 @@
             <a:fld id="{48A87A34-81AB-432B-8DAE-1953F412C126}" type="datetimeFigureOut">
               <a:rPr lang="en-US" dirty="0"/>
               <a:pPr/>
-              <a:t>7/8/2021</a:t>
+              <a:t>7/14/2021</a:t>
             </a:fld>
             <a:endParaRPr lang="en-US" dirty="0"/>
           </a:p>
@@ -3087,7 +3088,7 @@
             <a:fld id="{48A87A34-81AB-432B-8DAE-1953F412C126}" type="datetimeFigureOut">
               <a:rPr lang="en-US" dirty="0"/>
               <a:pPr/>
-              <a:t>7/8/2021</a:t>
+              <a:t>7/14/2021</a:t>
             </a:fld>
             <a:endParaRPr lang="en-US" dirty="0"/>
           </a:p>
@@ -3762,11 +3763,6 @@
               </a:rPr>
               <a:t>https://www.lagriculture-recrute.org/</a:t>
             </a:r>
-            <a:endParaRPr lang="fr-MA" dirty="0">
-              <a:solidFill>
-                <a:srgbClr val="C00000"/>
-              </a:solidFill>
-            </a:endParaRPr>
           </a:p>
         </p:txBody>
       </p:sp>
@@ -3806,6 +3802,77 @@
     <p:extLst>
       <p:ext uri="{BB962C8B-B14F-4D97-AF65-F5344CB8AC3E}">
         <p14:creationId xmlns:p14="http://schemas.microsoft.com/office/powerpoint/2010/main" val="2319840036"/>
+      </p:ext>
+    </p:extLst>
+  </p:cSld>
+  <p:clrMapOvr>
+    <a:masterClrMapping/>
+  </p:clrMapOvr>
+</p:sld>
+</file>
+
+<file path=ppt/slides/slide4.xml><?xml version="1.0" encoding="utf-8"?>
+<p:sld xmlns:a="http://schemas.openxmlformats.org/drawingml/2006/main" xmlns:r="http://schemas.openxmlformats.org/officeDocument/2006/relationships" xmlns:p="http://schemas.openxmlformats.org/presentationml/2006/main">
+  <p:cSld>
+    <p:spTree>
+      <p:nvGrpSpPr>
+        <p:cNvPr id="1" name=""/>
+        <p:cNvGrpSpPr/>
+        <p:nvPr/>
+      </p:nvGrpSpPr>
+      <p:grpSpPr>
+        <a:xfrm>
+          <a:off x="0" y="0"/>
+          <a:ext cx="0" cy="0"/>
+          <a:chOff x="0" y="0"/>
+          <a:chExt cx="0" cy="0"/>
+        </a:xfrm>
+      </p:grpSpPr>
+      <p:sp>
+        <p:nvSpPr>
+          <p:cNvPr id="2" name="Titre 1"/>
+          <p:cNvSpPr>
+            <a:spLocks noGrp="1"/>
+          </p:cNvSpPr>
+          <p:nvPr>
+            <p:ph type="title"/>
+          </p:nvPr>
+        </p:nvSpPr>
+        <p:spPr/>
+        <p:txBody>
+          <a:bodyPr/>
+          <a:lstStyle/>
+          <a:p>
+            <a:r>
+              <a:rPr lang="fr-MA" dirty="0"/>
+              <a:t>les couleurs de site</a:t>
+            </a:r>
+          </a:p>
+        </p:txBody>
+      </p:sp>
+      <p:sp>
+        <p:nvSpPr>
+          <p:cNvPr id="5" name="Espace réservé du contenu 4"/>
+          <p:cNvSpPr>
+            <a:spLocks noGrp="1"/>
+          </p:cNvSpPr>
+          <p:nvPr>
+            <p:ph idx="1"/>
+          </p:nvPr>
+        </p:nvSpPr>
+        <p:spPr/>
+        <p:txBody>
+          <a:bodyPr/>
+          <a:lstStyle/>
+          <a:p>
+            <a:endParaRPr lang="fr-MA"/>
+          </a:p>
+        </p:txBody>
+      </p:sp>
+    </p:spTree>
+    <p:extLst>
+      <p:ext uri="{BB962C8B-B14F-4D97-AF65-F5344CB8AC3E}">
+        <p14:creationId xmlns:p14="http://schemas.microsoft.com/office/powerpoint/2010/main" val="3631148651"/>
       </p:ext>
     </p:extLst>
   </p:cSld>
